--- a/spec/Hackathon.pptx
+++ b/spec/Hackathon.pptx
@@ -2521,8 +2521,8 @@
               <a:t>In </a:t>
             </a:r>
             <a:r>
-              <a:rPr lang="en-GB" dirty="0" err="1" smtClean="0"/>
-              <a:t>Eclipe</a:t>
+              <a:rPr lang="en-GB" dirty="0" smtClean="0"/>
+              <a:t>Eclipse</a:t>
             </a:r>
             <a:r>
               <a:rPr lang="en-GB" dirty="0" smtClean="0"/>
@@ -2550,7 +2550,7 @@
             </a:r>
             <a:r>
               <a:rPr lang="en-GB" dirty="0" err="1" smtClean="0"/>
-              <a:t>Hackaton</a:t>
+              <a:t>Hackathon</a:t>
             </a:r>
             <a:r>
               <a:rPr lang="en-GB" dirty="0" smtClean="0"/>
@@ -3404,7 +3404,7 @@
   <a:extraClrSchemeLst/>
   <a:extLst>
     <a:ext uri="{05A4C25C-085E-4340-85A3-A5531E510DB2}">
-      <thm15:themeFamily xmlns="" xmlns:thm15="http://schemas.microsoft.com/office/thememl/2012/main" name="Scott Logic" id="{0A265318-E7B1-4998-B3B3-540563DDB61B}" vid="{97062A6F-1CA9-4333-9A1F-2DBA24FE341F}"/>
+      <thm15:themeFamily xmlns:thm15="http://schemas.microsoft.com/office/thememl/2012/main" xmlns="" name="Scott Logic" id="{0A265318-E7B1-4998-B3B3-540563DDB61B}" vid="{97062A6F-1CA9-4333-9A1F-2DBA24FE341F}"/>
     </a:ext>
   </a:extLst>
 </a:theme>
